--- a/Outline thesis/De cuong/Kien Truc final.pptx
+++ b/Outline thesis/De cuong/Kien Truc final.pptx
@@ -289,7 +289,7 @@
             <a:fld id="{1D8BD707-D9CF-40AE-B4C6-C98DA3205C09}" type="datetimeFigureOut">
               <a:rPr lang="en-US" smtClean="0"/>
               <a:pPr/>
-              <a:t>3/2/2011</a:t>
+              <a:t>3/13/2011</a:t>
             </a:fld>
             <a:endParaRPr lang="en-US"/>
           </a:p>
@@ -456,7 +456,7 @@
             <a:fld id="{1D8BD707-D9CF-40AE-B4C6-C98DA3205C09}" type="datetimeFigureOut">
               <a:rPr lang="en-US" smtClean="0"/>
               <a:pPr/>
-              <a:t>3/2/2011</a:t>
+              <a:t>3/13/2011</a:t>
             </a:fld>
             <a:endParaRPr lang="en-US"/>
           </a:p>
@@ -633,7 +633,7 @@
             <a:fld id="{1D8BD707-D9CF-40AE-B4C6-C98DA3205C09}" type="datetimeFigureOut">
               <a:rPr lang="en-US" smtClean="0"/>
               <a:pPr/>
-              <a:t>3/2/2011</a:t>
+              <a:t>3/13/2011</a:t>
             </a:fld>
             <a:endParaRPr lang="en-US"/>
           </a:p>
@@ -800,7 +800,7 @@
             <a:fld id="{1D8BD707-D9CF-40AE-B4C6-C98DA3205C09}" type="datetimeFigureOut">
               <a:rPr lang="en-US" smtClean="0"/>
               <a:pPr/>
-              <a:t>3/2/2011</a:t>
+              <a:t>3/13/2011</a:t>
             </a:fld>
             <a:endParaRPr lang="en-US"/>
           </a:p>
@@ -1043,7 +1043,7 @@
             <a:fld id="{1D8BD707-D9CF-40AE-B4C6-C98DA3205C09}" type="datetimeFigureOut">
               <a:rPr lang="en-US" smtClean="0"/>
               <a:pPr/>
-              <a:t>3/2/2011</a:t>
+              <a:t>3/13/2011</a:t>
             </a:fld>
             <a:endParaRPr lang="en-US"/>
           </a:p>
@@ -1328,7 +1328,7 @@
             <a:fld id="{1D8BD707-D9CF-40AE-B4C6-C98DA3205C09}" type="datetimeFigureOut">
               <a:rPr lang="en-US" smtClean="0"/>
               <a:pPr/>
-              <a:t>3/2/2011</a:t>
+              <a:t>3/13/2011</a:t>
             </a:fld>
             <a:endParaRPr lang="en-US"/>
           </a:p>
@@ -1747,7 +1747,7 @@
             <a:fld id="{1D8BD707-D9CF-40AE-B4C6-C98DA3205C09}" type="datetimeFigureOut">
               <a:rPr lang="en-US" smtClean="0"/>
               <a:pPr/>
-              <a:t>3/2/2011</a:t>
+              <a:t>3/13/2011</a:t>
             </a:fld>
             <a:endParaRPr lang="en-US"/>
           </a:p>
@@ -1862,7 +1862,7 @@
             <a:fld id="{1D8BD707-D9CF-40AE-B4C6-C98DA3205C09}" type="datetimeFigureOut">
               <a:rPr lang="en-US" smtClean="0"/>
               <a:pPr/>
-              <a:t>3/2/2011</a:t>
+              <a:t>3/13/2011</a:t>
             </a:fld>
             <a:endParaRPr lang="en-US"/>
           </a:p>
@@ -1954,7 +1954,7 @@
             <a:fld id="{1D8BD707-D9CF-40AE-B4C6-C98DA3205C09}" type="datetimeFigureOut">
               <a:rPr lang="en-US" smtClean="0"/>
               <a:pPr/>
-              <a:t>3/2/2011</a:t>
+              <a:t>3/13/2011</a:t>
             </a:fld>
             <a:endParaRPr lang="en-US"/>
           </a:p>
@@ -2228,7 +2228,7 @@
             <a:fld id="{1D8BD707-D9CF-40AE-B4C6-C98DA3205C09}" type="datetimeFigureOut">
               <a:rPr lang="en-US" smtClean="0"/>
               <a:pPr/>
-              <a:t>3/2/2011</a:t>
+              <a:t>3/13/2011</a:t>
             </a:fld>
             <a:endParaRPr lang="en-US"/>
           </a:p>
@@ -2478,7 +2478,7 @@
             <a:fld id="{1D8BD707-D9CF-40AE-B4C6-C98DA3205C09}" type="datetimeFigureOut">
               <a:rPr lang="en-US" smtClean="0"/>
               <a:pPr/>
-              <a:t>3/2/2011</a:t>
+              <a:t>3/13/2011</a:t>
             </a:fld>
             <a:endParaRPr lang="en-US"/>
           </a:p>
@@ -2688,7 +2688,7 @@
             <a:fld id="{1D8BD707-D9CF-40AE-B4C6-C98DA3205C09}" type="datetimeFigureOut">
               <a:rPr lang="en-US" smtClean="0"/>
               <a:pPr/>
-              <a:t>3/2/2011</a:t>
+              <a:t>3/13/2011</a:t>
             </a:fld>
             <a:endParaRPr lang="en-US"/>
           </a:p>
@@ -3076,8 +3076,8 @@
         </p:blipFill>
         <p:spPr bwMode="auto">
           <a:xfrm>
-            <a:off x="457200" y="2362200"/>
-            <a:ext cx="940098" cy="892175"/>
+            <a:off x="152400" y="2362200"/>
+            <a:ext cx="1016298" cy="892175"/>
           </a:xfrm>
           <a:prstGeom prst="rect">
             <a:avLst/>
@@ -3099,7 +3099,6 @@
           <a:prstGeom prst="flowChartMagneticDisk">
             <a:avLst/>
           </a:prstGeom>
-          <a:noFill/>
         </p:spPr>
         <p:style>
           <a:lnRef idx="2">
@@ -3107,8 +3106,8 @@
               <a:shade val="50000"/>
             </a:schemeClr>
           </a:lnRef>
-          <a:fillRef idx="1">
-            <a:schemeClr val="accent1"/>
+          <a:fillRef idx="1003">
+            <a:schemeClr val="lt1"/>
           </a:fillRef>
           <a:effectRef idx="0">
             <a:schemeClr val="accent1"/>
@@ -3153,7 +3152,17 @@
                 <a:latin typeface="Times New Roman" pitchFamily="18" charset="0"/>
                 <a:cs typeface="Times New Roman" pitchFamily="18" charset="0"/>
               </a:rPr>
-              <a:t>Chỉ</a:t>
+              <a:t>c</a:t>
+            </a:r>
+            <a:r>
+              <a:rPr lang="en-US" sz="1400" b="1" dirty="0" err="1" smtClean="0">
+                <a:solidFill>
+                  <a:schemeClr val="tx1"/>
+                </a:solidFill>
+                <a:latin typeface="Times New Roman" pitchFamily="18" charset="0"/>
+                <a:cs typeface="Times New Roman" pitchFamily="18" charset="0"/>
+              </a:rPr>
+              <a:t>hỉ</a:t>
             </a:r>
             <a:r>
               <a:rPr lang="en-US" sz="1400" b="1" dirty="0" smtClean="0">
@@ -3239,22 +3248,19 @@
           <a:prstGeom prst="cloud">
             <a:avLst/>
           </a:prstGeom>
-          <a:noFill/>
         </p:spPr>
         <p:style>
-          <a:lnRef idx="2">
-            <a:schemeClr val="accent1">
-              <a:shade val="50000"/>
-            </a:schemeClr>
+          <a:lnRef idx="1">
+            <a:schemeClr val="accent3"/>
           </a:lnRef>
-          <a:fillRef idx="1">
-            <a:schemeClr val="accent1"/>
+          <a:fillRef idx="2">
+            <a:schemeClr val="accent3"/>
           </a:fillRef>
-          <a:effectRef idx="0">
-            <a:schemeClr val="accent1"/>
+          <a:effectRef idx="1">
+            <a:schemeClr val="accent3"/>
           </a:effectRef>
           <a:fontRef idx="minor">
-            <a:schemeClr val="lt1"/>
+            <a:schemeClr val="dk1"/>
           </a:fontRef>
         </p:style>
         <p:txBody>
@@ -3283,6 +3289,16 @@
           <a:p>
             <a:pPr algn="ctr"/>
             <a:r>
+              <a:rPr lang="en-US" sz="1400" b="1" dirty="0" err="1" smtClean="0">
+                <a:solidFill>
+                  <a:schemeClr val="tx1"/>
+                </a:solidFill>
+                <a:latin typeface="Times New Roman" pitchFamily="18" charset="0"/>
+                <a:cs typeface="Times New Roman" pitchFamily="18" charset="0"/>
+              </a:rPr>
+              <a:t>Thư</a:t>
+            </a:r>
+            <a:r>
               <a:rPr lang="en-US" sz="1400" b="1" dirty="0" smtClean="0">
                 <a:solidFill>
                   <a:schemeClr val="tx1"/>
@@ -3290,7 +3306,67 @@
                 <a:latin typeface="Times New Roman" pitchFamily="18" charset="0"/>
                 <a:cs typeface="Times New Roman" pitchFamily="18" charset="0"/>
               </a:rPr>
-              <a:t>ACM,</a:t>
+              <a:t> </a:t>
+            </a:r>
+            <a:r>
+              <a:rPr lang="en-US" sz="1400" b="1" dirty="0" err="1" smtClean="0">
+                <a:solidFill>
+                  <a:schemeClr val="tx1"/>
+                </a:solidFill>
+                <a:latin typeface="Times New Roman" pitchFamily="18" charset="0"/>
+                <a:cs typeface="Times New Roman" pitchFamily="18" charset="0"/>
+              </a:rPr>
+              <a:t>viện</a:t>
+            </a:r>
+            <a:r>
+              <a:rPr lang="en-US" sz="1400" b="1" dirty="0" smtClean="0">
+                <a:solidFill>
+                  <a:schemeClr val="tx1"/>
+                </a:solidFill>
+                <a:latin typeface="Times New Roman" pitchFamily="18" charset="0"/>
+                <a:cs typeface="Times New Roman" pitchFamily="18" charset="0"/>
+              </a:rPr>
+              <a:t> </a:t>
+            </a:r>
+            <a:r>
+              <a:rPr lang="en-US" sz="1400" b="1" dirty="0" err="1" smtClean="0">
+                <a:solidFill>
+                  <a:schemeClr val="tx1"/>
+                </a:solidFill>
+                <a:latin typeface="Times New Roman" pitchFamily="18" charset="0"/>
+                <a:cs typeface="Times New Roman" pitchFamily="18" charset="0"/>
+              </a:rPr>
+              <a:t>số</a:t>
+            </a:r>
+            <a:r>
+              <a:rPr lang="en-US" sz="1400" b="1" dirty="0" smtClean="0">
+                <a:solidFill>
+                  <a:schemeClr val="tx1"/>
+                </a:solidFill>
+                <a:latin typeface="Times New Roman" pitchFamily="18" charset="0"/>
+                <a:cs typeface="Times New Roman" pitchFamily="18" charset="0"/>
+              </a:rPr>
+              <a:t> </a:t>
+            </a:r>
+            <a:r>
+              <a:rPr lang="en-US" sz="1400" b="1" dirty="0" smtClean="0">
+                <a:solidFill>
+                  <a:schemeClr val="tx1"/>
+                </a:solidFill>
+                <a:latin typeface="Times New Roman" pitchFamily="18" charset="0"/>
+                <a:cs typeface="Times New Roman" pitchFamily="18" charset="0"/>
+              </a:rPr>
+              <a:t>ACM</a:t>
+            </a:r>
+            <a:r>
+              <a:rPr lang="en-US" sz="1400" b="1" dirty="0" smtClean="0">
+                <a:solidFill>
+                  <a:schemeClr val="tx1"/>
+                </a:solidFill>
+                <a:latin typeface="Times New Roman" pitchFamily="18" charset="0"/>
+                <a:cs typeface="Times New Roman" pitchFamily="18" charset="0"/>
+              </a:rPr>
+              <a:t>,</a:t>
             </a:r>
           </a:p>
           <a:p>
@@ -3535,29 +3611,20 @@
           <a:prstGeom prst="flowChartAlternateProcess">
             <a:avLst/>
           </a:prstGeom>
-          <a:noFill/>
-          <a:ln>
-            <a:solidFill>
-              <a:schemeClr val="accent1">
-                <a:shade val="50000"/>
-              </a:schemeClr>
-            </a:solidFill>
-          </a:ln>
+          <a:ln/>
         </p:spPr>
         <p:style>
-          <a:lnRef idx="2">
-            <a:schemeClr val="accent1">
-              <a:shade val="50000"/>
-            </a:schemeClr>
+          <a:lnRef idx="1">
+            <a:schemeClr val="accent5"/>
           </a:lnRef>
-          <a:fillRef idx="1">
-            <a:schemeClr val="accent1"/>
+          <a:fillRef idx="2">
+            <a:schemeClr val="accent5"/>
           </a:fillRef>
-          <a:effectRef idx="0">
-            <a:schemeClr val="accent1"/>
+          <a:effectRef idx="1">
+            <a:schemeClr val="accent5"/>
           </a:effectRef>
           <a:fontRef idx="minor">
-            <a:schemeClr val="lt1"/>
+            <a:schemeClr val="dk1"/>
           </a:fontRef>
         </p:style>
         <p:txBody>
@@ -3653,8 +3720,8 @@
         </p:nvSpPr>
         <p:spPr>
           <a:xfrm>
-            <a:off x="1524000" y="2819400"/>
-            <a:ext cx="381000" cy="228600"/>
+            <a:off x="1295400" y="2819400"/>
+            <a:ext cx="609600" cy="228600"/>
           </a:xfrm>
           <a:prstGeom prst="rightArrow">
             <a:avLst/>
@@ -3776,49 +3843,6 @@
       </p:sp>
       <p:sp>
         <p:nvSpPr>
-          <p:cNvPr id="25" name="Right Arrow 24"/>
-          <p:cNvSpPr/>
-          <p:nvPr/>
-        </p:nvSpPr>
-        <p:spPr>
-          <a:xfrm rot="5400000">
-            <a:off x="7620000" y="4038600"/>
-            <a:ext cx="533400" cy="228600"/>
-          </a:xfrm>
-          <a:prstGeom prst="rightArrow">
-            <a:avLst/>
-          </a:prstGeom>
-        </p:spPr>
-        <p:style>
-          <a:lnRef idx="2">
-            <a:schemeClr val="accent1">
-              <a:shade val="50000"/>
-            </a:schemeClr>
-          </a:lnRef>
-          <a:fillRef idx="1">
-            <a:schemeClr val="accent1"/>
-          </a:fillRef>
-          <a:effectRef idx="0">
-            <a:schemeClr val="accent1"/>
-          </a:effectRef>
-          <a:fontRef idx="minor">
-            <a:schemeClr val="lt1"/>
-          </a:fontRef>
-        </p:style>
-        <p:txBody>
-          <a:bodyPr rtlCol="0" anchor="ctr"/>
-          <a:lstStyle/>
-          <a:p>
-            <a:pPr algn="ctr"/>
-            <a:endParaRPr lang="en-US" sz="1400">
-              <a:latin typeface="Times New Roman" pitchFamily="18" charset="0"/>
-              <a:cs typeface="Times New Roman" pitchFamily="18" charset="0"/>
-            </a:endParaRPr>
-          </a:p>
-        </p:txBody>
-      </p:sp>
-      <p:sp>
-        <p:nvSpPr>
           <p:cNvPr id="28" name="Rectangle 27"/>
           <p:cNvSpPr/>
           <p:nvPr/>
@@ -3831,22 +3855,19 @@
           <a:prstGeom prst="rect">
             <a:avLst/>
           </a:prstGeom>
-          <a:noFill/>
         </p:spPr>
         <p:style>
-          <a:lnRef idx="2">
-            <a:schemeClr val="accent1">
-              <a:shade val="50000"/>
-            </a:schemeClr>
+          <a:lnRef idx="1">
+            <a:schemeClr val="accent4"/>
           </a:lnRef>
-          <a:fillRef idx="1">
-            <a:schemeClr val="accent1"/>
+          <a:fillRef idx="2">
+            <a:schemeClr val="accent4"/>
           </a:fillRef>
-          <a:effectRef idx="0">
-            <a:schemeClr val="accent1"/>
+          <a:effectRef idx="1">
+            <a:schemeClr val="accent4"/>
           </a:effectRef>
           <a:fontRef idx="minor">
-            <a:schemeClr val="lt1"/>
+            <a:schemeClr val="dk1"/>
           </a:fontRef>
         </p:style>
         <p:txBody>
@@ -4030,13 +4051,13 @@
           <a:lstStyle/>
           <a:p>
             <a:r>
-              <a:rPr lang="en-US" sz="1400" dirty="0" smtClean="0">
+              <a:rPr lang="en-US" sz="1400" b="1" dirty="0" smtClean="0">
                 <a:latin typeface="Times New Roman" pitchFamily="18" charset="0"/>
                 <a:cs typeface="Times New Roman" pitchFamily="18" charset="0"/>
               </a:rPr>
               <a:t>Metadata</a:t>
             </a:r>
-            <a:endParaRPr lang="en-US" sz="1400" dirty="0">
+            <a:endParaRPr lang="en-US" sz="1400" b="1" dirty="0">
               <a:latin typeface="Times New Roman" pitchFamily="18" charset="0"/>
               <a:cs typeface="Times New Roman" pitchFamily="18" charset="0"/>
             </a:endParaRPr>
@@ -4051,28 +4072,25 @@
         </p:nvSpPr>
         <p:spPr>
           <a:xfrm>
-            <a:off x="2133600" y="4038600"/>
-            <a:ext cx="990600" cy="990600"/>
+            <a:off x="2133600" y="4191000"/>
+            <a:ext cx="990600" cy="1371600"/>
           </a:xfrm>
           <a:prstGeom prst="flowChartMagneticDisk">
             <a:avLst/>
           </a:prstGeom>
-          <a:noFill/>
         </p:spPr>
         <p:style>
-          <a:lnRef idx="2">
-            <a:schemeClr val="accent1">
-              <a:shade val="50000"/>
-            </a:schemeClr>
+          <a:lnRef idx="1">
+            <a:schemeClr val="accent1"/>
           </a:lnRef>
-          <a:fillRef idx="1">
+          <a:fillRef idx="2">
             <a:schemeClr val="accent1"/>
           </a:fillRef>
-          <a:effectRef idx="0">
+          <a:effectRef idx="1">
             <a:schemeClr val="accent1"/>
           </a:effectRef>
           <a:fontRef idx="minor">
-            <a:schemeClr val="lt1"/>
+            <a:schemeClr val="dk1"/>
           </a:fontRef>
         </p:style>
         <p:txBody>
@@ -4124,22 +4142,19 @@
           <a:prstGeom prst="rect">
             <a:avLst/>
           </a:prstGeom>
-          <a:noFill/>
         </p:spPr>
         <p:style>
-          <a:lnRef idx="2">
-            <a:schemeClr val="accent1">
-              <a:shade val="50000"/>
-            </a:schemeClr>
+          <a:lnRef idx="1">
+            <a:schemeClr val="accent6"/>
           </a:lnRef>
-          <a:fillRef idx="1">
-            <a:schemeClr val="accent1"/>
+          <a:fillRef idx="2">
+            <a:schemeClr val="accent6"/>
           </a:fillRef>
-          <a:effectRef idx="0">
-            <a:schemeClr val="accent1"/>
+          <a:effectRef idx="1">
+            <a:schemeClr val="accent6"/>
           </a:effectRef>
           <a:fontRef idx="minor">
-            <a:schemeClr val="lt1"/>
+            <a:schemeClr val="dk1"/>
           </a:fontRef>
         </p:style>
         <p:txBody>
@@ -4211,22 +4226,19 @@
           <a:prstGeom prst="rect">
             <a:avLst/>
           </a:prstGeom>
-          <a:noFill/>
         </p:spPr>
         <p:style>
-          <a:lnRef idx="2">
-            <a:schemeClr val="accent1">
-              <a:shade val="50000"/>
-            </a:schemeClr>
+          <a:lnRef idx="1">
+            <a:schemeClr val="accent2"/>
           </a:lnRef>
-          <a:fillRef idx="1">
-            <a:schemeClr val="accent1"/>
+          <a:fillRef idx="2">
+            <a:schemeClr val="accent2"/>
           </a:fillRef>
-          <a:effectRef idx="0">
-            <a:schemeClr val="accent1"/>
+          <a:effectRef idx="1">
+            <a:schemeClr val="accent2"/>
           </a:effectRef>
           <a:fontRef idx="minor">
-            <a:schemeClr val="lt1"/>
+            <a:schemeClr val="dk1"/>
           </a:fontRef>
         </p:style>
         <p:txBody>
@@ -4347,91 +4359,16 @@
           </a:p>
         </p:txBody>
       </p:sp>
-      <p:cxnSp>
-        <p:nvCxnSpPr>
-          <p:cNvPr id="47" name="Elbow Connector 46"/>
-          <p:cNvCxnSpPr>
-            <a:stCxn id="24" idx="1"/>
-          </p:cNvCxnSpPr>
-          <p:nvPr/>
-        </p:nvCxnSpPr>
-        <p:spPr>
-          <a:xfrm rot="5400000">
-            <a:off x="2132911" y="1980510"/>
-            <a:ext cx="915779" cy="1588"/>
-          </a:xfrm>
-          <a:prstGeom prst="bentConnector3">
-            <a:avLst>
-              <a:gd name="adj1" fmla="val 50000"/>
-            </a:avLst>
-          </a:prstGeom>
-          <a:ln>
-            <a:tailEnd type="arrow"/>
-          </a:ln>
-        </p:spPr>
-        <p:style>
-          <a:lnRef idx="1">
-            <a:schemeClr val="accent1"/>
-          </a:lnRef>
-          <a:fillRef idx="0">
-            <a:schemeClr val="accent1"/>
-          </a:fillRef>
-          <a:effectRef idx="0">
-            <a:schemeClr val="accent1"/>
-          </a:effectRef>
-          <a:fontRef idx="minor">
-            <a:schemeClr val="tx1"/>
-          </a:fontRef>
-        </p:style>
-      </p:cxnSp>
-      <p:cxnSp>
-        <p:nvCxnSpPr>
-          <p:cNvPr id="52" name="Elbow Connector 51"/>
-          <p:cNvCxnSpPr>
-            <a:stCxn id="1026" idx="3"/>
-            <a:endCxn id="24" idx="2"/>
-          </p:cNvCxnSpPr>
-          <p:nvPr/>
-        </p:nvCxnSpPr>
-        <p:spPr>
-          <a:xfrm flipV="1">
-            <a:off x="1397298" y="876300"/>
-            <a:ext cx="209047" cy="1931988"/>
-          </a:xfrm>
-          <a:prstGeom prst="bentConnector3">
-            <a:avLst>
-              <a:gd name="adj1" fmla="val -17695"/>
-            </a:avLst>
-          </a:prstGeom>
-          <a:ln>
-            <a:tailEnd type="arrow"/>
-          </a:ln>
-        </p:spPr>
-        <p:style>
-          <a:lnRef idx="1">
-            <a:schemeClr val="accent1"/>
-          </a:lnRef>
-          <a:fillRef idx="0">
-            <a:schemeClr val="accent1"/>
-          </a:fillRef>
-          <a:effectRef idx="0">
-            <a:schemeClr val="accent1"/>
-          </a:effectRef>
-          <a:fontRef idx="minor">
-            <a:schemeClr val="tx1"/>
-          </a:fontRef>
-        </p:style>
-      </p:cxnSp>
-      <p:sp>
-        <p:nvSpPr>
-          <p:cNvPr id="57" name="TextBox 56"/>
+      <p:sp>
+        <p:nvSpPr>
+          <p:cNvPr id="58" name="TextBox 57"/>
           <p:cNvSpPr txBox="1"/>
           <p:nvPr/>
         </p:nvSpPr>
         <p:spPr>
           <a:xfrm>
-            <a:off x="3505200" y="533400"/>
-            <a:ext cx="1133708" cy="307777"/>
+            <a:off x="1066800" y="2362200"/>
+            <a:ext cx="861993" cy="307777"/>
           </a:xfrm>
           <a:prstGeom prst="rect">
             <a:avLst/>
@@ -4439,69 +4376,33 @@
           <a:noFill/>
         </p:spPr>
         <p:txBody>
-          <a:bodyPr wrap="none" rtlCol="0">
+          <a:bodyPr wrap="square" rtlCol="0">
             <a:spAutoFit/>
           </a:bodyPr>
           <a:lstStyle/>
           <a:p>
             <a:r>
-              <a:rPr lang="en-US" sz="1400" dirty="0" smtClean="0">
-                <a:latin typeface="Times New Roman" pitchFamily="18" charset="0"/>
-                <a:cs typeface="Times New Roman" pitchFamily="18" charset="0"/>
-              </a:rPr>
-              <a:t>Web Crawler</a:t>
-            </a:r>
-            <a:endParaRPr lang="en-US" sz="1400" dirty="0">
-              <a:latin typeface="Times New Roman" pitchFamily="18" charset="0"/>
-              <a:cs typeface="Times New Roman" pitchFamily="18" charset="0"/>
-            </a:endParaRPr>
-          </a:p>
-        </p:txBody>
-      </p:sp>
-      <p:sp>
-        <p:nvSpPr>
-          <p:cNvPr id="58" name="TextBox 57"/>
-          <p:cNvSpPr txBox="1"/>
-          <p:nvPr/>
-        </p:nvSpPr>
-        <p:spPr>
-          <a:xfrm>
-            <a:off x="685800" y="1447800"/>
-            <a:ext cx="785793" cy="307777"/>
-          </a:xfrm>
-          <a:prstGeom prst="rect">
-            <a:avLst/>
-          </a:prstGeom>
-          <a:noFill/>
-        </p:spPr>
-        <p:txBody>
-          <a:bodyPr wrap="none" rtlCol="0">
-            <a:spAutoFit/>
-          </a:bodyPr>
-          <a:lstStyle/>
-          <a:p>
-            <a:r>
-              <a:rPr lang="en-US" sz="1400" dirty="0" err="1" smtClean="0">
+              <a:rPr lang="en-US" sz="1400" b="1" dirty="0" err="1" smtClean="0">
                 <a:latin typeface="Times New Roman" pitchFamily="18" charset="0"/>
                 <a:cs typeface="Times New Roman" pitchFamily="18" charset="0"/>
               </a:rPr>
               <a:t>Từ</a:t>
             </a:r>
             <a:r>
-              <a:rPr lang="en-US" sz="1400" dirty="0" smtClean="0">
+              <a:rPr lang="en-US" sz="1400" b="1" dirty="0" smtClean="0">
                 <a:latin typeface="Times New Roman" pitchFamily="18" charset="0"/>
                 <a:cs typeface="Times New Roman" pitchFamily="18" charset="0"/>
               </a:rPr>
               <a:t> </a:t>
             </a:r>
             <a:r>
-              <a:rPr lang="en-US" sz="1400" dirty="0" err="1" smtClean="0">
+              <a:rPr lang="en-US" sz="1400" b="1" dirty="0" err="1" smtClean="0">
                 <a:latin typeface="Times New Roman" pitchFamily="18" charset="0"/>
                 <a:cs typeface="Times New Roman" pitchFamily="18" charset="0"/>
               </a:rPr>
               <a:t>khóa</a:t>
             </a:r>
-            <a:endParaRPr lang="en-US" sz="1400" dirty="0">
+            <a:endParaRPr lang="en-US" sz="1400" b="1" dirty="0">
               <a:latin typeface="Times New Roman" pitchFamily="18" charset="0"/>
               <a:cs typeface="Times New Roman" pitchFamily="18" charset="0"/>
             </a:endParaRPr>
@@ -4531,13 +4432,13 @@
           <a:lstStyle/>
           <a:p>
             <a:r>
-              <a:rPr lang="en-US" sz="1400" dirty="0" smtClean="0">
+              <a:rPr lang="en-US" sz="1400" b="1" dirty="0" smtClean="0">
                 <a:latin typeface="Times New Roman" pitchFamily="18" charset="0"/>
                 <a:cs typeface="Times New Roman" pitchFamily="18" charset="0"/>
               </a:rPr>
               <a:t>Metadata</a:t>
             </a:r>
-            <a:endParaRPr lang="en-US" sz="1400" dirty="0">
+            <a:endParaRPr lang="en-US" sz="1400" b="1" dirty="0">
               <a:latin typeface="Times New Roman" pitchFamily="18" charset="0"/>
               <a:cs typeface="Times New Roman" pitchFamily="18" charset="0"/>
             </a:endParaRPr>
@@ -4681,6 +4582,198 @@
               <a:t> URL</a:t>
             </a:r>
             <a:endParaRPr lang="en-US" sz="1400" dirty="0">
+              <a:latin typeface="Times New Roman" pitchFamily="18" charset="0"/>
+              <a:cs typeface="Times New Roman" pitchFamily="18" charset="0"/>
+            </a:endParaRPr>
+          </a:p>
+        </p:txBody>
+      </p:sp>
+      <p:sp>
+        <p:nvSpPr>
+          <p:cNvPr id="34" name="Up-Down Arrow 33"/>
+          <p:cNvSpPr/>
+          <p:nvPr/>
+        </p:nvSpPr>
+        <p:spPr>
+          <a:xfrm>
+            <a:off x="7848600" y="3810000"/>
+            <a:ext cx="228600" cy="609600"/>
+          </a:xfrm>
+          <a:prstGeom prst="upDownArrow">
+            <a:avLst/>
+          </a:prstGeom>
+        </p:spPr>
+        <p:style>
+          <a:lnRef idx="2">
+            <a:schemeClr val="accent1">
+              <a:shade val="50000"/>
+            </a:schemeClr>
+          </a:lnRef>
+          <a:fillRef idx="1">
+            <a:schemeClr val="accent1"/>
+          </a:fillRef>
+          <a:effectRef idx="0">
+            <a:schemeClr val="accent1"/>
+          </a:effectRef>
+          <a:fontRef idx="minor">
+            <a:schemeClr val="lt1"/>
+          </a:fontRef>
+        </p:style>
+        <p:txBody>
+          <a:bodyPr rtlCol="0" anchor="ctr"/>
+          <a:lstStyle/>
+          <a:p>
+            <a:pPr algn="ctr"/>
+            <a:endParaRPr lang="en-US"/>
+          </a:p>
+        </p:txBody>
+      </p:sp>
+      <p:sp>
+        <p:nvSpPr>
+          <p:cNvPr id="36" name="Down Arrow 35"/>
+          <p:cNvSpPr/>
+          <p:nvPr/>
+        </p:nvSpPr>
+        <p:spPr>
+          <a:xfrm>
+            <a:off x="2819400" y="1524000"/>
+            <a:ext cx="152400" cy="914400"/>
+          </a:xfrm>
+          <a:prstGeom prst="downArrow">
+            <a:avLst/>
+          </a:prstGeom>
+        </p:spPr>
+        <p:style>
+          <a:lnRef idx="2">
+            <a:schemeClr val="accent1">
+              <a:shade val="50000"/>
+            </a:schemeClr>
+          </a:lnRef>
+          <a:fillRef idx="1">
+            <a:schemeClr val="accent1"/>
+          </a:fillRef>
+          <a:effectRef idx="0">
+            <a:schemeClr val="accent1"/>
+          </a:effectRef>
+          <a:fontRef idx="minor">
+            <a:schemeClr val="lt1"/>
+          </a:fontRef>
+        </p:style>
+        <p:txBody>
+          <a:bodyPr rtlCol="0" anchor="ctr"/>
+          <a:lstStyle/>
+          <a:p>
+            <a:pPr algn="ctr"/>
+            <a:endParaRPr lang="en-US"/>
+          </a:p>
+        </p:txBody>
+      </p:sp>
+      <p:sp>
+        <p:nvSpPr>
+          <p:cNvPr id="38" name="Up Arrow 37"/>
+          <p:cNvSpPr/>
+          <p:nvPr/>
+        </p:nvSpPr>
+        <p:spPr>
+          <a:xfrm>
+            <a:off x="2133600" y="1524000"/>
+            <a:ext cx="152400" cy="914400"/>
+          </a:xfrm>
+          <a:prstGeom prst="upArrow">
+            <a:avLst/>
+          </a:prstGeom>
+        </p:spPr>
+        <p:style>
+          <a:lnRef idx="2">
+            <a:schemeClr val="accent1">
+              <a:shade val="50000"/>
+            </a:schemeClr>
+          </a:lnRef>
+          <a:fillRef idx="1">
+            <a:schemeClr val="accent1"/>
+          </a:fillRef>
+          <a:effectRef idx="0">
+            <a:schemeClr val="accent1"/>
+          </a:effectRef>
+          <a:fontRef idx="minor">
+            <a:schemeClr val="lt1"/>
+          </a:fontRef>
+        </p:style>
+        <p:txBody>
+          <a:bodyPr rtlCol="0" anchor="ctr"/>
+          <a:lstStyle/>
+          <a:p>
+            <a:pPr algn="ctr"/>
+            <a:endParaRPr lang="en-US"/>
+          </a:p>
+        </p:txBody>
+      </p:sp>
+      <p:sp>
+        <p:nvSpPr>
+          <p:cNvPr id="39" name="TextBox 38"/>
+          <p:cNvSpPr txBox="1"/>
+          <p:nvPr/>
+        </p:nvSpPr>
+        <p:spPr>
+          <a:xfrm>
+            <a:off x="1219200" y="1752600"/>
+            <a:ext cx="1242993" cy="292388"/>
+          </a:xfrm>
+          <a:prstGeom prst="rect">
+            <a:avLst/>
+          </a:prstGeom>
+          <a:noFill/>
+        </p:spPr>
+        <p:txBody>
+          <a:bodyPr wrap="square" rtlCol="0">
+            <a:spAutoFit/>
+          </a:bodyPr>
+          <a:lstStyle/>
+          <a:p>
+            <a:r>
+              <a:rPr lang="en-US" sz="1300" b="1" dirty="0" smtClean="0">
+                <a:latin typeface="Times New Roman" pitchFamily="18" charset="0"/>
+                <a:cs typeface="Times New Roman" pitchFamily="18" charset="0"/>
+              </a:rPr>
+              <a:t>URL Query</a:t>
+            </a:r>
+            <a:endParaRPr lang="en-US" sz="1300" b="1" dirty="0">
+              <a:latin typeface="Times New Roman" pitchFamily="18" charset="0"/>
+              <a:cs typeface="Times New Roman" pitchFamily="18" charset="0"/>
+            </a:endParaRPr>
+          </a:p>
+        </p:txBody>
+      </p:sp>
+      <p:sp>
+        <p:nvSpPr>
+          <p:cNvPr id="40" name="TextBox 39"/>
+          <p:cNvSpPr txBox="1"/>
+          <p:nvPr/>
+        </p:nvSpPr>
+        <p:spPr>
+          <a:xfrm>
+            <a:off x="2971800" y="1676400"/>
+            <a:ext cx="1242993" cy="292388"/>
+          </a:xfrm>
+          <a:prstGeom prst="rect">
+            <a:avLst/>
+          </a:prstGeom>
+          <a:noFill/>
+        </p:spPr>
+        <p:txBody>
+          <a:bodyPr wrap="square" rtlCol="0">
+            <a:spAutoFit/>
+          </a:bodyPr>
+          <a:lstStyle/>
+          <a:p>
+            <a:r>
+              <a:rPr lang="en-US" sz="1300" b="1" dirty="0" smtClean="0">
+                <a:latin typeface="Times New Roman" pitchFamily="18" charset="0"/>
+                <a:cs typeface="Times New Roman" pitchFamily="18" charset="0"/>
+              </a:rPr>
+              <a:t>URL Results</a:t>
+            </a:r>
+            <a:endParaRPr lang="en-US" sz="1300" b="1" dirty="0">
               <a:latin typeface="Times New Roman" pitchFamily="18" charset="0"/>
               <a:cs typeface="Times New Roman" pitchFamily="18" charset="0"/>
             </a:endParaRPr>
